--- a/assets/workshop_1_architecture.pptx
+++ b/assets/workshop_1_architecture.pptx
@@ -140,6 +140,22 @@
       </a:defRPr>
     </a:lvl9pPr>
   </p:defaultTextStyle>
+  <p:extLst>
+    <p:ext uri="{EFAFB233-063F-42B5-8137-9DF3F51BA10A}">
+      <p15:sldGuideLst xmlns:p15="http://schemas.microsoft.com/office/powerpoint/2012/main">
+        <p15:guide id="1" orient="horz" pos="2160">
+          <p15:clr>
+            <a:srgbClr val="A4A3A4"/>
+          </p15:clr>
+        </p15:guide>
+        <p15:guide id="2" pos="2880">
+          <p15:clr>
+            <a:srgbClr val="A4A3A4"/>
+          </p15:clr>
+        </p15:guide>
+      </p15:sldGuideLst>
+    </p:ext>
+  </p:extLst>
 </p:presentation>
 </file>
 
@@ -324,7 +340,7 @@
           <a:p>
             <a:fld id="{B4C71EC6-210F-42DE-9C53-41977AD35B3D}" type="datetimeFigureOut">
               <a:rPr lang="ru-RU" smtClean="0"/>
-              <a:t>5/24/15</a:t>
+              <a:t>21.04.2016</a:t>
             </a:fld>
             <a:endParaRPr lang="ru-RU"/>
           </a:p>
@@ -489,7 +505,7 @@
           <a:p>
             <a:fld id="{B4C71EC6-210F-42DE-9C53-41977AD35B3D}" type="datetimeFigureOut">
               <a:rPr lang="ru-RU" smtClean="0"/>
-              <a:t>5/24/15</a:t>
+              <a:t>21.04.2016</a:t>
             </a:fld>
             <a:endParaRPr lang="ru-RU"/>
           </a:p>
@@ -664,7 +680,7 @@
           <a:p>
             <a:fld id="{B4C71EC6-210F-42DE-9C53-41977AD35B3D}" type="datetimeFigureOut">
               <a:rPr lang="ru-RU" smtClean="0"/>
-              <a:t>5/24/15</a:t>
+              <a:t>21.04.2016</a:t>
             </a:fld>
             <a:endParaRPr lang="ru-RU"/>
           </a:p>
@@ -829,7 +845,7 @@
           <a:p>
             <a:fld id="{B4C71EC6-210F-42DE-9C53-41977AD35B3D}" type="datetimeFigureOut">
               <a:rPr lang="ru-RU" smtClean="0"/>
-              <a:t>5/24/15</a:t>
+              <a:t>21.04.2016</a:t>
             </a:fld>
             <a:endParaRPr lang="ru-RU"/>
           </a:p>
@@ -1070,7 +1086,7 @@
           <a:p>
             <a:fld id="{B4C71EC6-210F-42DE-9C53-41977AD35B3D}" type="datetimeFigureOut">
               <a:rPr lang="ru-RU" smtClean="0"/>
-              <a:t>5/24/15</a:t>
+              <a:t>21.04.2016</a:t>
             </a:fld>
             <a:endParaRPr lang="ru-RU"/>
           </a:p>
@@ -1353,7 +1369,7 @@
           <a:p>
             <a:fld id="{B4C71EC6-210F-42DE-9C53-41977AD35B3D}" type="datetimeFigureOut">
               <a:rPr lang="ru-RU" smtClean="0"/>
-              <a:t>5/24/15</a:t>
+              <a:t>21.04.2016</a:t>
             </a:fld>
             <a:endParaRPr lang="ru-RU"/>
           </a:p>
@@ -1770,7 +1786,7 @@
           <a:p>
             <a:fld id="{B4C71EC6-210F-42DE-9C53-41977AD35B3D}" type="datetimeFigureOut">
               <a:rPr lang="ru-RU" smtClean="0"/>
-              <a:t>5/24/15</a:t>
+              <a:t>21.04.2016</a:t>
             </a:fld>
             <a:endParaRPr lang="ru-RU"/>
           </a:p>
@@ -1883,7 +1899,7 @@
           <a:p>
             <a:fld id="{B4C71EC6-210F-42DE-9C53-41977AD35B3D}" type="datetimeFigureOut">
               <a:rPr lang="ru-RU" smtClean="0"/>
-              <a:t>5/24/15</a:t>
+              <a:t>21.04.2016</a:t>
             </a:fld>
             <a:endParaRPr lang="ru-RU"/>
           </a:p>
@@ -1973,7 +1989,7 @@
           <a:p>
             <a:fld id="{B4C71EC6-210F-42DE-9C53-41977AD35B3D}" type="datetimeFigureOut">
               <a:rPr lang="ru-RU" smtClean="0"/>
-              <a:t>5/24/15</a:t>
+              <a:t>21.04.2016</a:t>
             </a:fld>
             <a:endParaRPr lang="ru-RU"/>
           </a:p>
@@ -2245,7 +2261,7 @@
           <a:p>
             <a:fld id="{B4C71EC6-210F-42DE-9C53-41977AD35B3D}" type="datetimeFigureOut">
               <a:rPr lang="ru-RU" smtClean="0"/>
-              <a:t>5/24/15</a:t>
+              <a:t>21.04.2016</a:t>
             </a:fld>
             <a:endParaRPr lang="ru-RU"/>
           </a:p>
@@ -2493,7 +2509,7 @@
           <a:p>
             <a:fld id="{B4C71EC6-210F-42DE-9C53-41977AD35B3D}" type="datetimeFigureOut">
               <a:rPr lang="ru-RU" smtClean="0"/>
-              <a:t>5/24/15</a:t>
+              <a:t>21.04.2016</a:t>
             </a:fld>
             <a:endParaRPr lang="ru-RU"/>
           </a:p>
@@ -2701,7 +2717,7 @@
           <a:p>
             <a:fld id="{B4C71EC6-210F-42DE-9C53-41977AD35B3D}" type="datetimeFigureOut">
               <a:rPr lang="ru-RU" smtClean="0"/>
-              <a:t>5/24/15</a:t>
+              <a:t>21.04.2016</a:t>
             </a:fld>
             <a:endParaRPr lang="ru-RU"/>
           </a:p>
@@ -3183,7 +3199,7 @@
   <p:timing>
     <p:tnLst>
       <p:par>
-        <p:cTn xmlns:p14="http://schemas.microsoft.com/office/powerpoint/2010/main" id="1" dur="indefinite" restart="never" nodeType="tmRoot"/>
+        <p:cTn id="1" dur="indefinite" restart="never" nodeType="tmRoot"/>
       </p:par>
     </p:tnLst>
   </p:timing>
@@ -3806,7 +3822,7 @@
   <p:timing>
     <p:tnLst>
       <p:par>
-        <p:cTn xmlns:p14="http://schemas.microsoft.com/office/powerpoint/2010/main" id="1" dur="indefinite" restart="never" nodeType="tmRoot"/>
+        <p:cTn id="1" dur="indefinite" restart="never" nodeType="tmRoot"/>
       </p:par>
     </p:tnLst>
   </p:timing>
@@ -4811,7 +4827,7 @@
   <p:timing>
     <p:tnLst>
       <p:par>
-        <p:cTn xmlns:p14="http://schemas.microsoft.com/office/powerpoint/2010/main" id="1" dur="indefinite" restart="never" nodeType="tmRoot"/>
+        <p:cTn id="1" dur="indefinite" restart="never" nodeType="tmRoot"/>
       </p:par>
     </p:tnLst>
   </p:timing>
@@ -5827,7 +5843,7 @@
   <p:timing>
     <p:tnLst>
       <p:par>
-        <p:cTn xmlns:p14="http://schemas.microsoft.com/office/powerpoint/2010/main" id="1" dur="indefinite" restart="never" nodeType="tmRoot">
+        <p:cTn id="1" dur="indefinite" restart="never" nodeType="tmRoot">
           <p:childTnLst>
             <p:seq concurrent="1" nextAc="seek">
               <p:cTn id="2" dur="indefinite" nodeType="mainSeq">
@@ -6182,7 +6198,7 @@
           <a:noFill/>
           <a:extLst>
             <a:ext uri="{909E8E84-426E-40dd-AFC4-6F175D3DCCD1}">
-              <a14:hiddenFill xmlns:a14="http://schemas.microsoft.com/office/drawing/2010/main">
+              <a14:hiddenFill xmlns:a14="http://schemas.microsoft.com/office/drawing/2010/main" xmlns="">
                 <a:solidFill>
                   <a:srgbClr val="FFFFFF"/>
                 </a:solidFill>
@@ -6204,7 +6220,7 @@
   <p:timing>
     <p:tnLst>
       <p:par>
-        <p:cTn xmlns:p14="http://schemas.microsoft.com/office/powerpoint/2010/main" id="1" dur="indefinite" restart="never" nodeType="tmRoot"/>
+        <p:cTn id="1" dur="indefinite" restart="never" nodeType="tmRoot"/>
       </p:par>
     </p:tnLst>
   </p:timing>
@@ -7574,7 +7590,7 @@
   <p:timing>
     <p:tnLst>
       <p:par>
-        <p:cTn xmlns:p14="http://schemas.microsoft.com/office/powerpoint/2010/main" id="1" dur="indefinite" restart="never" nodeType="tmRoot">
+        <p:cTn id="1" dur="indefinite" restart="never" nodeType="tmRoot">
           <p:childTnLst>
             <p:seq concurrent="1" nextAc="seek">
               <p:cTn id="2" dur="indefinite" nodeType="mainSeq">
@@ -9722,7 +9738,7 @@
   <p:timing>
     <p:tnLst>
       <p:par>
-        <p:cTn xmlns:p14="http://schemas.microsoft.com/office/powerpoint/2010/main" id="1" dur="indefinite" restart="never" nodeType="tmRoot"/>
+        <p:cTn id="1" dur="indefinite" restart="never" nodeType="tmRoot"/>
       </p:par>
     </p:tnLst>
   </p:timing>
@@ -9870,7 +9886,7 @@
   <p:timing>
     <p:tnLst>
       <p:par>
-        <p:cTn xmlns:p14="http://schemas.microsoft.com/office/powerpoint/2010/main" id="1" dur="indefinite" restart="never" nodeType="tmRoot"/>
+        <p:cTn id="1" dur="indefinite" restart="never" nodeType="tmRoot"/>
       </p:par>
     </p:tnLst>
   </p:timing>
@@ -10033,7 +10049,7 @@
   <p:timing>
     <p:tnLst>
       <p:par>
-        <p:cTn xmlns:p14="http://schemas.microsoft.com/office/powerpoint/2010/main" id="1" dur="indefinite" restart="never" nodeType="tmRoot"/>
+        <p:cTn id="1" dur="indefinite" restart="never" nodeType="tmRoot"/>
       </p:par>
     </p:tnLst>
   </p:timing>
@@ -10477,7 +10493,7 @@
   <p:timing>
     <p:tnLst>
       <p:par>
-        <p:cTn xmlns:p14="http://schemas.microsoft.com/office/powerpoint/2010/main" id="1" dur="indefinite" restart="never" nodeType="tmRoot"/>
+        <p:cTn id="1" dur="indefinite" restart="never" nodeType="tmRoot"/>
       </p:par>
     </p:tnLst>
   </p:timing>
@@ -10831,7 +10847,7 @@
   <p:timing>
     <p:tnLst>
       <p:par>
-        <p:cTn xmlns:p14="http://schemas.microsoft.com/office/powerpoint/2010/main" id="1" dur="indefinite" restart="never" nodeType="tmRoot"/>
+        <p:cTn id="1" dur="indefinite" restart="never" nodeType="tmRoot"/>
       </p:par>
     </p:tnLst>
   </p:timing>
@@ -11045,7 +11061,7 @@
           <a:noFill/>
           <a:extLst>
             <a:ext uri="{909E8E84-426E-40dd-AFC4-6F175D3DCCD1}">
-              <a14:hiddenFill xmlns:a14="http://schemas.microsoft.com/office/drawing/2010/main">
+              <a14:hiddenFill xmlns:a14="http://schemas.microsoft.com/office/drawing/2010/main" xmlns="">
                 <a:solidFill>
                   <a:srgbClr val="FFFFFF"/>
                 </a:solidFill>
@@ -11086,7 +11102,7 @@
           <a:noFill/>
           <a:extLst>
             <a:ext uri="{909E8E84-426E-40dd-AFC4-6F175D3DCCD1}">
-              <a14:hiddenFill xmlns:a14="http://schemas.microsoft.com/office/drawing/2010/main">
+              <a14:hiddenFill xmlns:a14="http://schemas.microsoft.com/office/drawing/2010/main" xmlns="">
                 <a:solidFill>
                   <a:srgbClr val="FFFFFF"/>
                 </a:solidFill>
@@ -11127,7 +11143,7 @@
           <a:noFill/>
           <a:extLst>
             <a:ext uri="{909E8E84-426E-40dd-AFC4-6F175D3DCCD1}">
-              <a14:hiddenFill xmlns:a14="http://schemas.microsoft.com/office/drawing/2010/main">
+              <a14:hiddenFill xmlns:a14="http://schemas.microsoft.com/office/drawing/2010/main" xmlns="">
                 <a:solidFill>
                   <a:srgbClr val="FFFFFF"/>
                 </a:solidFill>
@@ -11168,7 +11184,7 @@
           <a:noFill/>
           <a:extLst>
             <a:ext uri="{909E8E84-426E-40dd-AFC4-6F175D3DCCD1}">
-              <a14:hiddenFill xmlns:a14="http://schemas.microsoft.com/office/drawing/2010/main">
+              <a14:hiddenFill xmlns:a14="http://schemas.microsoft.com/office/drawing/2010/main" xmlns="">
                 <a:solidFill>
                   <a:srgbClr val="FFFFFF"/>
                 </a:solidFill>
@@ -11209,7 +11225,7 @@
           <a:noFill/>
           <a:extLst>
             <a:ext uri="{909E8E84-426E-40dd-AFC4-6F175D3DCCD1}">
-              <a14:hiddenFill xmlns:a14="http://schemas.microsoft.com/office/drawing/2010/main">
+              <a14:hiddenFill xmlns:a14="http://schemas.microsoft.com/office/drawing/2010/main" xmlns="">
                 <a:solidFill>
                   <a:srgbClr val="FFFFFF"/>
                 </a:solidFill>
@@ -11250,7 +11266,7 @@
           <a:noFill/>
           <a:extLst>
             <a:ext uri="{909E8E84-426E-40dd-AFC4-6F175D3DCCD1}">
-              <a14:hiddenFill xmlns:a14="http://schemas.microsoft.com/office/drawing/2010/main">
+              <a14:hiddenFill xmlns:a14="http://schemas.microsoft.com/office/drawing/2010/main" xmlns="">
                 <a:solidFill>
                   <a:srgbClr val="FFFFFF"/>
                 </a:solidFill>
@@ -11272,7 +11288,7 @@
   <p:timing>
     <p:tnLst>
       <p:par>
-        <p:cTn xmlns:p14="http://schemas.microsoft.com/office/powerpoint/2010/main" id="1" dur="indefinite" restart="never" nodeType="tmRoot"/>
+        <p:cTn id="1" dur="indefinite" restart="never" nodeType="tmRoot"/>
       </p:par>
     </p:tnLst>
   </p:timing>
@@ -11362,7 +11378,7 @@
           <a:noFill/>
           <a:extLst>
             <a:ext uri="{909E8E84-426E-40dd-AFC4-6F175D3DCCD1}">
-              <a14:hiddenFill xmlns:a14="http://schemas.microsoft.com/office/drawing/2010/main">
+              <a14:hiddenFill xmlns:a14="http://schemas.microsoft.com/office/drawing/2010/main" xmlns="">
                 <a:solidFill>
                   <a:srgbClr val="FFFFFF"/>
                 </a:solidFill>
@@ -11403,7 +11419,7 @@
           <a:noFill/>
           <a:extLst>
             <a:ext uri="{909E8E84-426E-40dd-AFC4-6F175D3DCCD1}">
-              <a14:hiddenFill xmlns:a14="http://schemas.microsoft.com/office/drawing/2010/main">
+              <a14:hiddenFill xmlns:a14="http://schemas.microsoft.com/office/drawing/2010/main" xmlns="">
                 <a:solidFill>
                   <a:srgbClr val="FFFFFF"/>
                 </a:solidFill>
@@ -11425,7 +11441,7 @@
   <p:timing>
     <p:tnLst>
       <p:par>
-        <p:cTn xmlns:p14="http://schemas.microsoft.com/office/powerpoint/2010/main" id="1" dur="indefinite" restart="never" nodeType="tmRoot"/>
+        <p:cTn id="1" dur="indefinite" restart="never" nodeType="tmRoot"/>
       </p:par>
     </p:tnLst>
   </p:timing>
@@ -11832,7 +11848,7 @@
   <p:timing>
     <p:tnLst>
       <p:par>
-        <p:cTn xmlns:p14="http://schemas.microsoft.com/office/powerpoint/2010/main" id="1" dur="indefinite" restart="never" nodeType="tmRoot"/>
+        <p:cTn id="1" dur="indefinite" restart="never" nodeType="tmRoot"/>
       </p:par>
     </p:tnLst>
   </p:timing>
@@ -11970,7 +11986,7 @@
   <p:timing>
     <p:tnLst>
       <p:par>
-        <p:cTn xmlns:p14="http://schemas.microsoft.com/office/powerpoint/2010/main" id="1" dur="indefinite" restart="never" nodeType="tmRoot"/>
+        <p:cTn id="1" dur="indefinite" restart="never" nodeType="tmRoot"/>
       </p:par>
     </p:tnLst>
   </p:timing>
@@ -13590,7 +13606,7 @@
   <p:timing>
     <p:tnLst>
       <p:par>
-        <p:cTn xmlns:p14="http://schemas.microsoft.com/office/powerpoint/2010/main" id="1" dur="indefinite" restart="never" nodeType="tmRoot"/>
+        <p:cTn id="1" dur="indefinite" restart="never" nodeType="tmRoot"/>
       </p:par>
     </p:tnLst>
   </p:timing>
@@ -13700,7 +13716,7 @@
           </a:effectLst>
           <a:extLst>
             <a:ext uri="{909E8E84-426E-40dd-AFC4-6F175D3DCCD1}">
-              <a14:hiddenFill xmlns:a14="http://schemas.microsoft.com/office/drawing/2010/main">
+              <a14:hiddenFill xmlns:a14="http://schemas.microsoft.com/office/drawing/2010/main" xmlns="">
                 <a:solidFill>
                   <a:srgbClr val="FFFFFF"/>
                 </a:solidFill>
@@ -13753,7 +13769,7 @@
           </a:effectLst>
           <a:extLst>
             <a:ext uri="{909E8E84-426E-40dd-AFC4-6F175D3DCCD1}">
-              <a14:hiddenFill xmlns:a14="http://schemas.microsoft.com/office/drawing/2010/main">
+              <a14:hiddenFill xmlns:a14="http://schemas.microsoft.com/office/drawing/2010/main" xmlns="">
                 <a:solidFill>
                   <a:srgbClr val="FFFFFF"/>
                 </a:solidFill>
@@ -13806,7 +13822,7 @@
           </a:effectLst>
           <a:extLst>
             <a:ext uri="{909E8E84-426E-40dd-AFC4-6F175D3DCCD1}">
-              <a14:hiddenFill xmlns:a14="http://schemas.microsoft.com/office/drawing/2010/main">
+              <a14:hiddenFill xmlns:a14="http://schemas.microsoft.com/office/drawing/2010/main" xmlns="">
                 <a:solidFill>
                   <a:srgbClr val="FFFFFF"/>
                 </a:solidFill>
@@ -14114,7 +14130,7 @@
           </a:effectLst>
           <a:extLst>
             <a:ext uri="{909E8E84-426E-40dd-AFC4-6F175D3DCCD1}">
-              <a14:hiddenFill xmlns:a14="http://schemas.microsoft.com/office/drawing/2010/main">
+              <a14:hiddenFill xmlns:a14="http://schemas.microsoft.com/office/drawing/2010/main" xmlns="">
                 <a:solidFill>
                   <a:srgbClr val="FFFFFF"/>
                 </a:solidFill>
@@ -14188,7 +14204,7 @@
   <p:timing>
     <p:tnLst>
       <p:par>
-        <p:cTn xmlns:p14="http://schemas.microsoft.com/office/powerpoint/2010/main" id="1" dur="indefinite" restart="never" nodeType="tmRoot"/>
+        <p:cTn id="1" dur="indefinite" restart="never" nodeType="tmRoot"/>
       </p:par>
     </p:tnLst>
   </p:timing>
@@ -14379,7 +14395,7 @@
   <p:timing>
     <p:tnLst>
       <p:par>
-        <p:cTn xmlns:p14="http://schemas.microsoft.com/office/powerpoint/2010/main" id="1" dur="indefinite" restart="never" nodeType="tmRoot"/>
+        <p:cTn id="1" dur="indefinite" restart="never" nodeType="tmRoot"/>
       </p:par>
     </p:tnLst>
   </p:timing>
@@ -14547,7 +14563,7 @@
   <p:timing>
     <p:tnLst>
       <p:par>
-        <p:cTn xmlns:p14="http://schemas.microsoft.com/office/powerpoint/2010/main" id="1" dur="indefinite" restart="never" nodeType="tmRoot"/>
+        <p:cTn id="1" dur="indefinite" restart="never" nodeType="tmRoot"/>
       </p:par>
     </p:tnLst>
   </p:timing>
@@ -14637,7 +14653,7 @@
           <a:noFill/>
           <a:extLst>
             <a:ext uri="{909E8E84-426E-40dd-AFC4-6F175D3DCCD1}">
-              <a14:hiddenFill xmlns:a14="http://schemas.microsoft.com/office/drawing/2010/main">
+              <a14:hiddenFill xmlns:a14="http://schemas.microsoft.com/office/drawing/2010/main" xmlns="">
                 <a:solidFill>
                   <a:srgbClr val="FFFFFF"/>
                 </a:solidFill>
@@ -14659,7 +14675,7 @@
   <p:timing>
     <p:tnLst>
       <p:par>
-        <p:cTn xmlns:p14="http://schemas.microsoft.com/office/powerpoint/2010/main" id="1" dur="indefinite" restart="never" nodeType="tmRoot"/>
+        <p:cTn id="1" dur="indefinite" restart="never" nodeType="tmRoot"/>
       </p:par>
     </p:tnLst>
   </p:timing>
@@ -14750,7 +14766,15 @@
           <a:p>
             <a:r>
               <a:rPr lang="en-US" dirty="0" smtClean="0"/>
-              <a:t>Functional tests work much slower then Unit tests. Their amount should by under control.</a:t>
+              <a:t>Functional tests work much slower then Unit tests. Their amount should </a:t>
+            </a:r>
+            <a:r>
+              <a:rPr lang="en-US" dirty="0" smtClean="0"/>
+              <a:t>be </a:t>
+            </a:r>
+            <a:r>
+              <a:rPr lang="en-US" dirty="0" smtClean="0"/>
+              <a:t>under control.</a:t>
             </a:r>
           </a:p>
         </p:txBody>
@@ -14768,7 +14792,7 @@
   <p:timing>
     <p:tnLst>
       <p:par>
-        <p:cTn xmlns:p14="http://schemas.microsoft.com/office/powerpoint/2010/main" id="1" dur="indefinite" restart="never" nodeType="tmRoot"/>
+        <p:cTn id="1" dur="indefinite" restart="never" nodeType="tmRoot"/>
       </p:par>
     </p:tnLst>
   </p:timing>
@@ -15553,7 +15577,7 @@
   <p:timing>
     <p:tnLst>
       <p:par>
-        <p:cTn xmlns:p14="http://schemas.microsoft.com/office/powerpoint/2010/main" id="1" dur="indefinite" restart="never" nodeType="tmRoot"/>
+        <p:cTn id="1" dur="indefinite" restart="never" nodeType="tmRoot"/>
       </p:par>
     </p:tnLst>
   </p:timing>
@@ -15609,7 +15633,7 @@
           <a:noFill/>
           <a:extLst>
             <a:ext uri="{909E8E84-426E-40dd-AFC4-6F175D3DCCD1}">
-              <a14:hiddenFill xmlns:a14="http://schemas.microsoft.com/office/drawing/2010/main">
+              <a14:hiddenFill xmlns:a14="http://schemas.microsoft.com/office/drawing/2010/main" xmlns="">
                 <a:solidFill>
                   <a:srgbClr val="FFFFFF"/>
                 </a:solidFill>
@@ -15663,7 +15687,7 @@
   <p:timing>
     <p:tnLst>
       <p:par>
-        <p:cTn xmlns:p14="http://schemas.microsoft.com/office/powerpoint/2010/main" id="1" dur="indefinite" restart="never" nodeType="tmRoot"/>
+        <p:cTn id="1" dur="indefinite" restart="never" nodeType="tmRoot"/>
       </p:par>
     </p:tnLst>
   </p:timing>
@@ -15811,7 +15835,7 @@
   <p:timing>
     <p:tnLst>
       <p:par>
-        <p:cTn xmlns:p14="http://schemas.microsoft.com/office/powerpoint/2010/main" id="1" dur="indefinite" restart="never" nodeType="tmRoot"/>
+        <p:cTn id="1" dur="indefinite" restart="never" nodeType="tmRoot"/>
       </p:par>
     </p:tnLst>
   </p:timing>
@@ -15912,7 +15936,7 @@
           <a:noFill/>
           <a:extLst>
             <a:ext uri="{909E8E84-426E-40dd-AFC4-6F175D3DCCD1}">
-              <a14:hiddenFill xmlns:a14="http://schemas.microsoft.com/office/drawing/2010/main">
+              <a14:hiddenFill xmlns:a14="http://schemas.microsoft.com/office/drawing/2010/main" xmlns="">
                 <a:solidFill>
                   <a:srgbClr val="FFFFFF"/>
                 </a:solidFill>
@@ -15934,7 +15958,7 @@
   <p:timing>
     <p:tnLst>
       <p:par>
-        <p:cTn xmlns:p14="http://schemas.microsoft.com/office/powerpoint/2010/main" id="1" dur="indefinite" restart="never" nodeType="tmRoot"/>
+        <p:cTn id="1" dur="indefinite" restart="never" nodeType="tmRoot"/>
       </p:par>
     </p:tnLst>
   </p:timing>
@@ -16277,7 +16301,7 @@
   <p:timing>
     <p:tnLst>
       <p:par>
-        <p:cTn xmlns:p14="http://schemas.microsoft.com/office/powerpoint/2010/main" id="1" dur="indefinite" restart="never" nodeType="tmRoot"/>
+        <p:cTn id="1" dur="indefinite" restart="never" nodeType="tmRoot"/>
       </p:par>
     </p:tnLst>
   </p:timing>
@@ -16380,7 +16404,7 @@
   <p:timing>
     <p:tnLst>
       <p:par>
-        <p:cTn xmlns:p14="http://schemas.microsoft.com/office/powerpoint/2010/main" id="1" dur="indefinite" restart="never" nodeType="tmRoot"/>
+        <p:cTn id="1" dur="indefinite" restart="never" nodeType="tmRoot"/>
       </p:par>
     </p:tnLst>
   </p:timing>
@@ -16536,7 +16560,7 @@
   <p:timing>
     <p:tnLst>
       <p:par>
-        <p:cTn xmlns:p14="http://schemas.microsoft.com/office/powerpoint/2010/main" id="1" dur="indefinite" restart="never" nodeType="tmRoot"/>
+        <p:cTn id="1" dur="indefinite" restart="never" nodeType="tmRoot"/>
       </p:par>
     </p:tnLst>
   </p:timing>
@@ -16657,7 +16681,7 @@
   <p:timing>
     <p:tnLst>
       <p:par>
-        <p:cTn xmlns:p14="http://schemas.microsoft.com/office/powerpoint/2010/main" id="1" dur="indefinite" restart="never" nodeType="tmRoot"/>
+        <p:cTn id="1" dur="indefinite" restart="never" nodeType="tmRoot"/>
       </p:par>
     </p:tnLst>
   </p:timing>
@@ -16883,7 +16907,7 @@
   <p:timing>
     <p:tnLst>
       <p:par>
-        <p:cTn xmlns:p14="http://schemas.microsoft.com/office/powerpoint/2010/main" id="1" dur="indefinite" restart="never" nodeType="tmRoot"/>
+        <p:cTn id="1" dur="indefinite" restart="never" nodeType="tmRoot"/>
       </p:par>
     </p:tnLst>
   </p:timing>
@@ -16936,8 +16960,8 @@
               <a:t>next </a:t>
             </a:r>
             <a:r>
-              <a:rPr lang="en-US"/>
-              <a:t>Wednesday</a:t>
+              <a:rPr lang="en-US" smtClean="0"/>
+              <a:t>Tuesday</a:t>
             </a:r>
             <a:endParaRPr lang="en-US" dirty="0"/>
           </a:p>
@@ -16956,7 +16980,7 @@
   <p:timing>
     <p:tnLst>
       <p:par>
-        <p:cTn xmlns:p14="http://schemas.microsoft.com/office/powerpoint/2010/main" id="1" dur="indefinite" restart="never" nodeType="tmRoot"/>
+        <p:cTn id="1" dur="indefinite" restart="never" nodeType="tmRoot"/>
       </p:par>
     </p:tnLst>
   </p:timing>
@@ -17909,7 +17933,7 @@
   <p:timing>
     <p:tnLst>
       <p:par>
-        <p:cTn xmlns:p14="http://schemas.microsoft.com/office/powerpoint/2010/main" id="1" dur="indefinite" restart="never" nodeType="tmRoot"/>
+        <p:cTn id="1" dur="indefinite" restart="never" nodeType="tmRoot"/>
       </p:par>
     </p:tnLst>
   </p:timing>
@@ -18028,7 +18052,7 @@
   <p:timing>
     <p:tnLst>
       <p:par>
-        <p:cTn xmlns:p14="http://schemas.microsoft.com/office/powerpoint/2010/main" id="1" dur="indefinite" restart="never" nodeType="tmRoot"/>
+        <p:cTn id="1" dur="indefinite" restart="never" nodeType="tmRoot"/>
       </p:par>
     </p:tnLst>
   </p:timing>
@@ -18867,7 +18891,7 @@
   <p:timing>
     <p:tnLst>
       <p:par>
-        <p:cTn xmlns:p14="http://schemas.microsoft.com/office/powerpoint/2010/main" id="1" dur="indefinite" restart="never" nodeType="tmRoot"/>
+        <p:cTn id="1" dur="indefinite" restart="never" nodeType="tmRoot"/>
       </p:par>
     </p:tnLst>
   </p:timing>
@@ -18957,7 +18981,7 @@
           <a:noFill/>
           <a:extLst>
             <a:ext uri="{909E8E84-426E-40dd-AFC4-6F175D3DCCD1}">
-              <a14:hiddenFill xmlns:a14="http://schemas.microsoft.com/office/drawing/2010/main">
+              <a14:hiddenFill xmlns:a14="http://schemas.microsoft.com/office/drawing/2010/main" xmlns="">
                 <a:solidFill>
                   <a:srgbClr val="FFFFFF"/>
                 </a:solidFill>
@@ -18979,7 +19003,7 @@
   <p:timing>
     <p:tnLst>
       <p:par>
-        <p:cTn xmlns:p14="http://schemas.microsoft.com/office/powerpoint/2010/main" id="1" dur="indefinite" restart="never" nodeType="tmRoot"/>
+        <p:cTn id="1" dur="indefinite" restart="never" nodeType="tmRoot"/>
       </p:par>
     </p:tnLst>
   </p:timing>
@@ -20393,7 +20417,7 @@
   <p:timing>
     <p:tnLst>
       <p:par>
-        <p:cTn xmlns:p14="http://schemas.microsoft.com/office/powerpoint/2010/main" id="1" dur="indefinite" restart="never" nodeType="tmRoot">
+        <p:cTn id="1" dur="indefinite" restart="never" nodeType="tmRoot">
           <p:childTnLst>
             <p:seq concurrent="1" nextAc="seek">
               <p:cTn id="2" dur="indefinite" nodeType="mainSeq">
@@ -22284,7 +22308,7 @@
   <p:timing>
     <p:tnLst>
       <p:par>
-        <p:cTn xmlns:p14="http://schemas.microsoft.com/office/powerpoint/2010/main" id="1" dur="indefinite" restart="never" nodeType="tmRoot"/>
+        <p:cTn id="1" dur="indefinite" restart="never" nodeType="tmRoot"/>
       </p:par>
     </p:tnLst>
   </p:timing>

--- a/assets/workshop_1_architecture.pptx
+++ b/assets/workshop_1_architecture.pptx
@@ -3138,12 +3138,14 @@
         </p:nvSpPr>
         <p:spPr>
           <a:xfrm>
-            <a:off x="1763688" y="4509120"/>
-            <a:ext cx="6400800" cy="1752600"/>
-          </a:xfrm>
-        </p:spPr>
-        <p:txBody>
-          <a:bodyPr/>
+            <a:off x="1763688" y="4005064"/>
+            <a:ext cx="6400800" cy="2256656"/>
+          </a:xfrm>
+        </p:spPr>
+        <p:txBody>
+          <a:bodyPr>
+            <a:normAutofit lnSpcReduction="10000"/>
+          </a:bodyPr>
           <a:lstStyle/>
           <a:p>
             <a:pPr algn="r"/>
@@ -3171,16 +3173,23 @@
           <a:p>
             <a:pPr algn="r"/>
             <a:r>
+              <a:rPr lang="en-US" dirty="0" smtClean="0"/>
+              <a:t>Mykola </a:t>
+            </a:r>
+            <a:r>
+              <a:rPr lang="en-US" dirty="0" smtClean="0"/>
+              <a:t>Labinskyi</a:t>
+            </a:r>
+          </a:p>
+          <a:p>
+            <a:pPr algn="r"/>
+            <a:r>
               <a:rPr lang="en-US" dirty="0" err="1" smtClean="0"/>
-              <a:t>Mykola</a:t>
-            </a:r>
-            <a:r>
-              <a:rPr lang="en-US" dirty="0" smtClean="0"/>
-              <a:t> </a:t>
-            </a:r>
-            <a:r>
-              <a:rPr lang="en-US" dirty="0" err="1" smtClean="0"/>
-              <a:t>Labinskyi</a:t>
+              <a:t>Yurii</a:t>
+            </a:r>
+            <a:r>
+              <a:rPr lang="en-US" smtClean="0"/>
+              <a:t> Panaiotov</a:t>
             </a:r>
             <a:endParaRPr lang="en-US" dirty="0"/>
           </a:p>
@@ -6198,7 +6207,7 @@
           <a:noFill/>
           <a:extLst>
             <a:ext uri="{909E8E84-426E-40dd-AFC4-6F175D3DCCD1}">
-              <a14:hiddenFill xmlns:a14="http://schemas.microsoft.com/office/drawing/2010/main" xmlns="">
+              <a14:hiddenFill xmlns="" xmlns:a14="http://schemas.microsoft.com/office/drawing/2010/main">
                 <a:solidFill>
                   <a:srgbClr val="FFFFFF"/>
                 </a:solidFill>
@@ -11061,7 +11070,7 @@
           <a:noFill/>
           <a:extLst>
             <a:ext uri="{909E8E84-426E-40dd-AFC4-6F175D3DCCD1}">
-              <a14:hiddenFill xmlns:a14="http://schemas.microsoft.com/office/drawing/2010/main" xmlns="">
+              <a14:hiddenFill xmlns="" xmlns:a14="http://schemas.microsoft.com/office/drawing/2010/main">
                 <a:solidFill>
                   <a:srgbClr val="FFFFFF"/>
                 </a:solidFill>
@@ -11102,7 +11111,7 @@
           <a:noFill/>
           <a:extLst>
             <a:ext uri="{909E8E84-426E-40dd-AFC4-6F175D3DCCD1}">
-              <a14:hiddenFill xmlns:a14="http://schemas.microsoft.com/office/drawing/2010/main" xmlns="">
+              <a14:hiddenFill xmlns="" xmlns:a14="http://schemas.microsoft.com/office/drawing/2010/main">
                 <a:solidFill>
                   <a:srgbClr val="FFFFFF"/>
                 </a:solidFill>
@@ -11143,7 +11152,7 @@
           <a:noFill/>
           <a:extLst>
             <a:ext uri="{909E8E84-426E-40dd-AFC4-6F175D3DCCD1}">
-              <a14:hiddenFill xmlns:a14="http://schemas.microsoft.com/office/drawing/2010/main" xmlns="">
+              <a14:hiddenFill xmlns="" xmlns:a14="http://schemas.microsoft.com/office/drawing/2010/main">
                 <a:solidFill>
                   <a:srgbClr val="FFFFFF"/>
                 </a:solidFill>
@@ -11184,7 +11193,7 @@
           <a:noFill/>
           <a:extLst>
             <a:ext uri="{909E8E84-426E-40dd-AFC4-6F175D3DCCD1}">
-              <a14:hiddenFill xmlns:a14="http://schemas.microsoft.com/office/drawing/2010/main" xmlns="">
+              <a14:hiddenFill xmlns="" xmlns:a14="http://schemas.microsoft.com/office/drawing/2010/main">
                 <a:solidFill>
                   <a:srgbClr val="FFFFFF"/>
                 </a:solidFill>
@@ -11225,7 +11234,7 @@
           <a:noFill/>
           <a:extLst>
             <a:ext uri="{909E8E84-426E-40dd-AFC4-6F175D3DCCD1}">
-              <a14:hiddenFill xmlns:a14="http://schemas.microsoft.com/office/drawing/2010/main" xmlns="">
+              <a14:hiddenFill xmlns="" xmlns:a14="http://schemas.microsoft.com/office/drawing/2010/main">
                 <a:solidFill>
                   <a:srgbClr val="FFFFFF"/>
                 </a:solidFill>
@@ -11266,7 +11275,7 @@
           <a:noFill/>
           <a:extLst>
             <a:ext uri="{909E8E84-426E-40dd-AFC4-6F175D3DCCD1}">
-              <a14:hiddenFill xmlns:a14="http://schemas.microsoft.com/office/drawing/2010/main" xmlns="">
+              <a14:hiddenFill xmlns="" xmlns:a14="http://schemas.microsoft.com/office/drawing/2010/main">
                 <a:solidFill>
                   <a:srgbClr val="FFFFFF"/>
                 </a:solidFill>
@@ -11378,7 +11387,7 @@
           <a:noFill/>
           <a:extLst>
             <a:ext uri="{909E8E84-426E-40dd-AFC4-6F175D3DCCD1}">
-              <a14:hiddenFill xmlns:a14="http://schemas.microsoft.com/office/drawing/2010/main" xmlns="">
+              <a14:hiddenFill xmlns="" xmlns:a14="http://schemas.microsoft.com/office/drawing/2010/main">
                 <a:solidFill>
                   <a:srgbClr val="FFFFFF"/>
                 </a:solidFill>
@@ -11419,7 +11428,7 @@
           <a:noFill/>
           <a:extLst>
             <a:ext uri="{909E8E84-426E-40dd-AFC4-6F175D3DCCD1}">
-              <a14:hiddenFill xmlns:a14="http://schemas.microsoft.com/office/drawing/2010/main" xmlns="">
+              <a14:hiddenFill xmlns="" xmlns:a14="http://schemas.microsoft.com/office/drawing/2010/main">
                 <a:solidFill>
                   <a:srgbClr val="FFFFFF"/>
                 </a:solidFill>
@@ -13716,7 +13725,7 @@
           </a:effectLst>
           <a:extLst>
             <a:ext uri="{909E8E84-426E-40dd-AFC4-6F175D3DCCD1}">
-              <a14:hiddenFill xmlns:a14="http://schemas.microsoft.com/office/drawing/2010/main" xmlns="">
+              <a14:hiddenFill xmlns="" xmlns:a14="http://schemas.microsoft.com/office/drawing/2010/main">
                 <a:solidFill>
                   <a:srgbClr val="FFFFFF"/>
                 </a:solidFill>
@@ -13769,7 +13778,7 @@
           </a:effectLst>
           <a:extLst>
             <a:ext uri="{909E8E84-426E-40dd-AFC4-6F175D3DCCD1}">
-              <a14:hiddenFill xmlns:a14="http://schemas.microsoft.com/office/drawing/2010/main" xmlns="">
+              <a14:hiddenFill xmlns="" xmlns:a14="http://schemas.microsoft.com/office/drawing/2010/main">
                 <a:solidFill>
                   <a:srgbClr val="FFFFFF"/>
                 </a:solidFill>
@@ -13822,7 +13831,7 @@
           </a:effectLst>
           <a:extLst>
             <a:ext uri="{909E8E84-426E-40dd-AFC4-6F175D3DCCD1}">
-              <a14:hiddenFill xmlns:a14="http://schemas.microsoft.com/office/drawing/2010/main" xmlns="">
+              <a14:hiddenFill xmlns="" xmlns:a14="http://schemas.microsoft.com/office/drawing/2010/main">
                 <a:solidFill>
                   <a:srgbClr val="FFFFFF"/>
                 </a:solidFill>
@@ -14130,7 +14139,7 @@
           </a:effectLst>
           <a:extLst>
             <a:ext uri="{909E8E84-426E-40dd-AFC4-6F175D3DCCD1}">
-              <a14:hiddenFill xmlns:a14="http://schemas.microsoft.com/office/drawing/2010/main" xmlns="">
+              <a14:hiddenFill xmlns="" xmlns:a14="http://schemas.microsoft.com/office/drawing/2010/main">
                 <a:solidFill>
                   <a:srgbClr val="FFFFFF"/>
                 </a:solidFill>
@@ -14653,7 +14662,7 @@
           <a:noFill/>
           <a:extLst>
             <a:ext uri="{909E8E84-426E-40dd-AFC4-6F175D3DCCD1}">
-              <a14:hiddenFill xmlns:a14="http://schemas.microsoft.com/office/drawing/2010/main" xmlns="">
+              <a14:hiddenFill xmlns="" xmlns:a14="http://schemas.microsoft.com/office/drawing/2010/main">
                 <a:solidFill>
                   <a:srgbClr val="FFFFFF"/>
                 </a:solidFill>
@@ -14766,15 +14775,7 @@
           <a:p>
             <a:r>
               <a:rPr lang="en-US" dirty="0" smtClean="0"/>
-              <a:t>Functional tests work much slower then Unit tests. Their amount should </a:t>
-            </a:r>
-            <a:r>
-              <a:rPr lang="en-US" dirty="0" smtClean="0"/>
-              <a:t>be </a:t>
-            </a:r>
-            <a:r>
-              <a:rPr lang="en-US" dirty="0" smtClean="0"/>
-              <a:t>under control.</a:t>
+              <a:t>Functional tests work much slower then Unit tests. Their amount should be under control.</a:t>
             </a:r>
           </a:p>
         </p:txBody>
@@ -15633,7 +15634,7 @@
           <a:noFill/>
           <a:extLst>
             <a:ext uri="{909E8E84-426E-40dd-AFC4-6F175D3DCCD1}">
-              <a14:hiddenFill xmlns:a14="http://schemas.microsoft.com/office/drawing/2010/main" xmlns="">
+              <a14:hiddenFill xmlns="" xmlns:a14="http://schemas.microsoft.com/office/drawing/2010/main">
                 <a:solidFill>
                   <a:srgbClr val="FFFFFF"/>
                 </a:solidFill>
@@ -15936,7 +15937,7 @@
           <a:noFill/>
           <a:extLst>
             <a:ext uri="{909E8E84-426E-40dd-AFC4-6F175D3DCCD1}">
-              <a14:hiddenFill xmlns:a14="http://schemas.microsoft.com/office/drawing/2010/main" xmlns="">
+              <a14:hiddenFill xmlns="" xmlns:a14="http://schemas.microsoft.com/office/drawing/2010/main">
                 <a:solidFill>
                   <a:srgbClr val="FFFFFF"/>
                 </a:solidFill>
@@ -16957,11 +16958,7 @@
             </a:r>
             <a:r>
               <a:rPr lang="en-US" smtClean="0"/>
-              <a:t>next </a:t>
-            </a:r>
-            <a:r>
-              <a:rPr lang="en-US" smtClean="0"/>
-              <a:t>Tuesday</a:t>
+              <a:t>next Tuesday</a:t>
             </a:r>
             <a:endParaRPr lang="en-US" dirty="0"/>
           </a:p>
@@ -18981,7 +18978,7 @@
           <a:noFill/>
           <a:extLst>
             <a:ext uri="{909E8E84-426E-40dd-AFC4-6F175D3DCCD1}">
-              <a14:hiddenFill xmlns:a14="http://schemas.microsoft.com/office/drawing/2010/main" xmlns="">
+              <a14:hiddenFill xmlns="" xmlns:a14="http://schemas.microsoft.com/office/drawing/2010/main">
                 <a:solidFill>
                   <a:srgbClr val="FFFFFF"/>
                 </a:solidFill>
